--- a/Presentationsmaterial/Dokument/1.0 Introduktion, 2014-2015 lp1.pptx
+++ b/Presentationsmaterial/Dokument/1.0 Introduktion, 2014-2015 lp1.pptx
@@ -269,7 +269,7 @@
           <a:p>
             <a:fld id="{03F3EB14-6225-4D89-900B-64731362F3D8}" type="datetimeFigureOut">
               <a:rPr lang="sv-SE" smtClean="0"/>
-              <a:t>2014-07-17</a:t>
+              <a:t>2014-08-18</a:t>
             </a:fld>
             <a:endParaRPr lang="sv-SE"/>
           </a:p>
@@ -3765,9 +3765,10 @@
           </a:p>
           <a:p>
             <a:r>
-              <a:rPr lang="sv-SE" sz="1600" b="1" dirty="0"/>
-              <a:t>Campus</a:t>
-            </a:r>
+              <a:rPr lang="sv-SE" sz="1600" b="1" dirty="0" smtClean="0"/>
+              <a:t>Campus och distans</a:t>
+            </a:r>
+            <a:endParaRPr lang="sv-SE" sz="1600" b="1" dirty="0"/>
           </a:p>
           <a:p>
             <a:pPr lvl="1"/>
@@ -3778,56 +3779,12 @@
           </a:p>
           <a:p>
             <a:r>
-              <a:rPr lang="sv-SE" sz="1600" b="1" dirty="0"/>
-              <a:t>Distans</a:t>
-            </a:r>
-          </a:p>
-          <a:p>
-            <a:pPr lvl="1"/>
-            <a:r>
-              <a:rPr lang="sv-SE" sz="1400" b="1" dirty="0" smtClean="0"/>
-              <a:t>Redovisning </a:t>
-            </a:r>
-            <a:r>
-              <a:rPr lang="sv-SE" sz="1400" b="1" dirty="0"/>
-              <a:t>sker genom att skicka </a:t>
-            </a:r>
-            <a:r>
-              <a:rPr lang="sv-SE" sz="1400" b="1" dirty="0" err="1"/>
-              <a:t>zippade</a:t>
-            </a:r>
-            <a:r>
-              <a:rPr lang="sv-SE" sz="1400" b="1" dirty="0"/>
-              <a:t> och fullständiga projekt till </a:t>
-            </a:r>
-            <a:r>
-              <a:rPr lang="sv-SE" sz="1400" b="1" dirty="0" smtClean="0"/>
-              <a:t>1dv402@lnu.se</a:t>
-            </a:r>
-            <a:br>
-              <a:rPr lang="sv-SE" sz="1400" b="1" dirty="0" smtClean="0"/>
-            </a:br>
-            <a:r>
-              <a:rPr lang="sv-SE" sz="1400" i="1" dirty="0" smtClean="0"/>
-              <a:t>eller</a:t>
-            </a:r>
-            <a:r>
-              <a:rPr lang="sv-SE" sz="1400" b="1" dirty="0" smtClean="0"/>
-              <a:t/>
-            </a:r>
-            <a:br>
-              <a:rPr lang="sv-SE" sz="1400" b="1" dirty="0" smtClean="0"/>
-            </a:br>
-            <a:r>
-              <a:rPr lang="sv-SE" sz="1400" b="1" dirty="0" smtClean="0"/>
-              <a:t>muntligen i samband med handledning.</a:t>
-            </a:r>
-            <a:endParaRPr lang="sv-SE" sz="1400" b="1" dirty="0"/>
-          </a:p>
-          <a:p>
+              <a:rPr lang="sv-SE" sz="1600" dirty="0" smtClean="0"/>
+              <a:t>Eventuella </a:t>
+            </a:r>
             <a:r>
               <a:rPr lang="sv-SE" sz="1600" dirty="0"/>
-              <a:t>Eventuella returer ska åtgärdas och redovisas snarast.</a:t>
+              <a:t>returer ska åtgärdas och redovisas snarast.</a:t>
             </a:r>
           </a:p>
           <a:p>
@@ -5274,11 +5231,7 @@
             </a:r>
             <a:r>
               <a:rPr lang="sv-SE" dirty="0" smtClean="0"/>
-              <a:t>2013 </a:t>
-            </a:r>
-            <a:r>
-              <a:rPr lang="sv-SE" dirty="0" smtClean="0"/>
-              <a:t>Ultimate.</a:t>
+              <a:t>2013 Ultimate.</a:t>
             </a:r>
             <a:endParaRPr lang="sv-SE" dirty="0"/>
           </a:p>
@@ -7745,24 +7698,8 @@
               </a:spcAft>
             </a:pPr>
             <a:r>
-              <a:rPr lang="sv-SE" dirty="0"/>
-              <a:t>Föreläsningar (</a:t>
-            </a:r>
-            <a:r>
-              <a:rPr lang="sv-SE" b="1" dirty="0"/>
-              <a:t>campus</a:t>
-            </a:r>
-            <a:r>
-              <a:rPr lang="sv-SE" dirty="0"/>
-              <a:t> och </a:t>
-            </a:r>
-            <a:r>
-              <a:rPr lang="sv-SE" b="1" dirty="0"/>
-              <a:t>distans</a:t>
-            </a:r>
-            <a:r>
-              <a:rPr lang="sv-SE" dirty="0"/>
-              <a:t>)</a:t>
+              <a:rPr lang="sv-SE" dirty="0" smtClean="0"/>
+              <a:t>Föreläsningar</a:t>
             </a:r>
           </a:p>
           <a:p>
@@ -7775,14 +7712,14 @@
               </a:spcAft>
             </a:pPr>
             <a:r>
-              <a:rPr lang="sv-SE" dirty="0"/>
+              <a:rPr lang="sv-SE" dirty="0" smtClean="0"/>
               <a:t>Två pass om 2 x 45 minuter</a:t>
             </a:r>
             <a:br>
-              <a:rPr lang="sv-SE" dirty="0"/>
+              <a:rPr lang="sv-SE" dirty="0" smtClean="0"/>
             </a:br>
             <a:r>
-              <a:rPr lang="sv-SE" dirty="0"/>
+              <a:rPr lang="sv-SE" dirty="0" smtClean="0"/>
               <a:t>(se schemat för detaljer)</a:t>
             </a:r>
           </a:p>
@@ -7796,16 +7733,8 @@
               </a:spcAft>
             </a:pPr>
             <a:r>
-              <a:rPr lang="sv-SE" dirty="0"/>
-              <a:t>Laborationer (</a:t>
-            </a:r>
-            <a:r>
-              <a:rPr lang="sv-SE" b="1" dirty="0"/>
-              <a:t>campus</a:t>
-            </a:r>
-            <a:r>
-              <a:rPr lang="sv-SE" dirty="0"/>
-              <a:t>)</a:t>
+              <a:rPr lang="sv-SE" dirty="0" smtClean="0"/>
+              <a:t>Laborationer</a:t>
             </a:r>
           </a:p>
           <a:p>
@@ -7819,11 +7748,7 @@
             </a:pPr>
             <a:r>
               <a:rPr lang="sv-SE" dirty="0" smtClean="0"/>
-              <a:t>Fyra </a:t>
-            </a:r>
-            <a:r>
-              <a:rPr lang="sv-SE" dirty="0"/>
-              <a:t>laborationsgrupper</a:t>
+              <a:t>Fem laborationsgrupper på campus</a:t>
             </a:r>
           </a:p>
           <a:p>
@@ -7836,38 +7761,18 @@
               </a:spcAft>
             </a:pPr>
             <a:r>
+              <a:rPr lang="sv-SE" dirty="0" smtClean="0"/>
+              <a:t>Tre </a:t>
+            </a:r>
+            <a:r>
               <a:rPr lang="sv-SE" dirty="0"/>
-              <a:t>Ett pass per laborationsgrupp om 4 x 45 minuter</a:t>
-            </a:r>
-            <a:br>
-              <a:rPr lang="sv-SE" dirty="0"/>
-            </a:br>
-            <a:r>
-              <a:rPr lang="sv-SE" dirty="0"/>
-              <a:t>(se schemat för detaljer)</a:t>
-            </a:r>
-          </a:p>
-          <a:p>
-            <a:pPr lvl="1">
-              <a:spcBef>
-                <a:spcPts val="600"/>
-              </a:spcBef>
-              <a:spcAft>
-                <a:spcPts val="0"/>
-              </a:spcAft>
-            </a:pPr>
-            <a:r>
-              <a:rPr lang="sv-SE" dirty="0"/>
-              <a:t>Handledningstid (</a:t>
-            </a:r>
-            <a:r>
-              <a:rPr lang="sv-SE" b="1" dirty="0"/>
+              <a:t>laborationsgrupper på </a:t>
+            </a:r>
+            <a:r>
+              <a:rPr lang="sv-SE" dirty="0" smtClean="0"/>
               <a:t>distans</a:t>
             </a:r>
-            <a:r>
-              <a:rPr lang="sv-SE" dirty="0"/>
-              <a:t>)</a:t>
-            </a:r>
+            <a:endParaRPr lang="sv-SE" dirty="0"/>
           </a:p>
           <a:p>
             <a:pPr lvl="2">
@@ -7879,19 +7784,16 @@
               </a:spcAft>
             </a:pPr>
             <a:r>
-              <a:rPr lang="sv-SE" dirty="0"/>
-              <a:t>Två pass om 4 x 45 minuter</a:t>
+              <a:rPr lang="sv-SE" dirty="0" smtClean="0"/>
+              <a:t>Ett pass per laborationsgrupp om 4 x 45 minuter</a:t>
             </a:r>
             <a:br>
-              <a:rPr lang="sv-SE" dirty="0"/>
+              <a:rPr lang="sv-SE" dirty="0" smtClean="0"/>
             </a:br>
             <a:r>
-              <a:rPr lang="sv-SE" dirty="0"/>
+              <a:rPr lang="sv-SE" dirty="0" smtClean="0"/>
               <a:t>(se schemat för detaljer)</a:t>
             </a:r>
-          </a:p>
-          <a:p>
-            <a:endParaRPr lang="sv-SE" dirty="0"/>
           </a:p>
         </p:txBody>
       </p:sp>
@@ -9301,7 +9203,11 @@
             </a:r>
             <a:r>
               <a:rPr lang="sv-SE" dirty="0" smtClean="0"/>
-              <a:t>(43-45).</a:t>
+              <a:t>(</a:t>
+            </a:r>
+            <a:r>
+              <a:rPr lang="sv-SE" dirty="0" smtClean="0"/>
+              <a:t>43-44).</a:t>
             </a:r>
             <a:endParaRPr lang="sv-SE" dirty="0"/>
           </a:p>
